--- a/Be your own prada.pptx
+++ b/Be your own prada.pptx
@@ -9,9 +9,12 @@
     <p:sldId id="257" r:id="rId3"/>
     <p:sldId id="258" r:id="rId4"/>
     <p:sldId id="259" r:id="rId5"/>
-    <p:sldId id="260" r:id="rId6"/>
-    <p:sldId id="261" r:id="rId7"/>
-    <p:sldId id="262" r:id="rId8"/>
+    <p:sldId id="263" r:id="rId6"/>
+    <p:sldId id="264" r:id="rId7"/>
+    <p:sldId id="265" r:id="rId8"/>
+    <p:sldId id="260" r:id="rId9"/>
+    <p:sldId id="261" r:id="rId10"/>
+    <p:sldId id="262" r:id="rId11"/>
   </p:sldIdLst>
   <p:sldSz cx="12192000" cy="6858000"/>
   <p:notesSz cx="6858000" cy="9144000"/>
@@ -110,6 +113,11 @@
       </a:defRPr>
     </a:lvl9pPr>
   </p:defaultTextStyle>
+  <p:extLst>
+    <p:ext uri="{EFAFB233-063F-42B5-8137-9DF3F51BA10A}">
+      <p15:sldGuideLst xmlns:p15="http://schemas.microsoft.com/office/powerpoint/2012/main"/>
+    </p:ext>
+  </p:extLst>
 </p:presentation>
 </file>
 
@@ -260,7 +268,7 @@
           <a:p>
             <a:fld id="{0163D7E2-DE97-4138-8842-02C86A2CD897}" type="datetimeFigureOut">
               <a:rPr lang="ko-KR" altLang="en-US" smtClean="0"/>
-              <a:t>2018-12-02</a:t>
+              <a:t>2018-12-09</a:t>
             </a:fld>
             <a:endParaRPr lang="ko-KR" altLang="en-US"/>
           </a:p>
@@ -458,7 +466,7 @@
           <a:p>
             <a:fld id="{0163D7E2-DE97-4138-8842-02C86A2CD897}" type="datetimeFigureOut">
               <a:rPr lang="ko-KR" altLang="en-US" smtClean="0"/>
-              <a:t>2018-12-02</a:t>
+              <a:t>2018-12-09</a:t>
             </a:fld>
             <a:endParaRPr lang="ko-KR" altLang="en-US"/>
           </a:p>
@@ -666,7 +674,7 @@
           <a:p>
             <a:fld id="{0163D7E2-DE97-4138-8842-02C86A2CD897}" type="datetimeFigureOut">
               <a:rPr lang="ko-KR" altLang="en-US" smtClean="0"/>
-              <a:t>2018-12-02</a:t>
+              <a:t>2018-12-09</a:t>
             </a:fld>
             <a:endParaRPr lang="ko-KR" altLang="en-US"/>
           </a:p>
@@ -864,7 +872,7 @@
           <a:p>
             <a:fld id="{0163D7E2-DE97-4138-8842-02C86A2CD897}" type="datetimeFigureOut">
               <a:rPr lang="ko-KR" altLang="en-US" smtClean="0"/>
-              <a:t>2018-12-02</a:t>
+              <a:t>2018-12-09</a:t>
             </a:fld>
             <a:endParaRPr lang="ko-KR" altLang="en-US"/>
           </a:p>
@@ -1139,7 +1147,7 @@
           <a:p>
             <a:fld id="{0163D7E2-DE97-4138-8842-02C86A2CD897}" type="datetimeFigureOut">
               <a:rPr lang="ko-KR" altLang="en-US" smtClean="0"/>
-              <a:t>2018-12-02</a:t>
+              <a:t>2018-12-09</a:t>
             </a:fld>
             <a:endParaRPr lang="ko-KR" altLang="en-US"/>
           </a:p>
@@ -1404,7 +1412,7 @@
           <a:p>
             <a:fld id="{0163D7E2-DE97-4138-8842-02C86A2CD897}" type="datetimeFigureOut">
               <a:rPr lang="ko-KR" altLang="en-US" smtClean="0"/>
-              <a:t>2018-12-02</a:t>
+              <a:t>2018-12-09</a:t>
             </a:fld>
             <a:endParaRPr lang="ko-KR" altLang="en-US"/>
           </a:p>
@@ -1816,7 +1824,7 @@
           <a:p>
             <a:fld id="{0163D7E2-DE97-4138-8842-02C86A2CD897}" type="datetimeFigureOut">
               <a:rPr lang="ko-KR" altLang="en-US" smtClean="0"/>
-              <a:t>2018-12-02</a:t>
+              <a:t>2018-12-09</a:t>
             </a:fld>
             <a:endParaRPr lang="ko-KR" altLang="en-US"/>
           </a:p>
@@ -1957,7 +1965,7 @@
           <a:p>
             <a:fld id="{0163D7E2-DE97-4138-8842-02C86A2CD897}" type="datetimeFigureOut">
               <a:rPr lang="ko-KR" altLang="en-US" smtClean="0"/>
-              <a:t>2018-12-02</a:t>
+              <a:t>2018-12-09</a:t>
             </a:fld>
             <a:endParaRPr lang="ko-KR" altLang="en-US"/>
           </a:p>
@@ -2070,7 +2078,7 @@
           <a:p>
             <a:fld id="{0163D7E2-DE97-4138-8842-02C86A2CD897}" type="datetimeFigureOut">
               <a:rPr lang="ko-KR" altLang="en-US" smtClean="0"/>
-              <a:t>2018-12-02</a:t>
+              <a:t>2018-12-09</a:t>
             </a:fld>
             <a:endParaRPr lang="ko-KR" altLang="en-US"/>
           </a:p>
@@ -2381,7 +2389,7 @@
           <a:p>
             <a:fld id="{0163D7E2-DE97-4138-8842-02C86A2CD897}" type="datetimeFigureOut">
               <a:rPr lang="ko-KR" altLang="en-US" smtClean="0"/>
-              <a:t>2018-12-02</a:t>
+              <a:t>2018-12-09</a:t>
             </a:fld>
             <a:endParaRPr lang="ko-KR" altLang="en-US"/>
           </a:p>
@@ -2669,7 +2677,7 @@
           <a:p>
             <a:fld id="{0163D7E2-DE97-4138-8842-02C86A2CD897}" type="datetimeFigureOut">
               <a:rPr lang="ko-KR" altLang="en-US" smtClean="0"/>
-              <a:t>2018-12-02</a:t>
+              <a:t>2018-12-09</a:t>
             </a:fld>
             <a:endParaRPr lang="ko-KR" altLang="en-US"/>
           </a:p>
@@ -2910,7 +2918,7 @@
           <a:p>
             <a:fld id="{0163D7E2-DE97-4138-8842-02C86A2CD897}" type="datetimeFigureOut">
               <a:rPr lang="ko-KR" altLang="en-US" smtClean="0"/>
-              <a:t>2018-12-02</a:t>
+              <a:t>2018-12-09</a:t>
             </a:fld>
             <a:endParaRPr lang="ko-KR" altLang="en-US"/>
           </a:p>
@@ -3418,6 +3426,86 @@
 </p:sld>
 </file>
 
+<file path=ppt/slides/slide10.xml><?xml version="1.0" encoding="utf-8"?>
+<p:sld xmlns:a="http://schemas.openxmlformats.org/drawingml/2006/main" xmlns:r="http://schemas.openxmlformats.org/officeDocument/2006/relationships" xmlns:p="http://schemas.openxmlformats.org/presentationml/2006/main">
+  <p:cSld>
+    <p:spTree>
+      <p:nvGrpSpPr>
+        <p:cNvPr id="1" name=""/>
+        <p:cNvGrpSpPr/>
+        <p:nvPr/>
+      </p:nvGrpSpPr>
+      <p:grpSpPr>
+        <a:xfrm>
+          <a:off x="0" y="0"/>
+          <a:ext cx="0" cy="0"/>
+          <a:chOff x="0" y="0"/>
+          <a:chExt cx="0" cy="0"/>
+        </a:xfrm>
+      </p:grpSpPr>
+      <p:sp>
+        <p:nvSpPr>
+          <p:cNvPr id="2" name="제목 1">
+            <a:extLst>
+              <a:ext uri="{FF2B5EF4-FFF2-40B4-BE49-F238E27FC236}">
+                <a16:creationId xmlns:a16="http://schemas.microsoft.com/office/drawing/2014/main" id="{55F5928B-C1BC-4EB4-9A80-B2BA8D7C2163}"/>
+              </a:ext>
+            </a:extLst>
+          </p:cNvPr>
+          <p:cNvSpPr>
+            <a:spLocks noGrp="1"/>
+          </p:cNvSpPr>
+          <p:nvPr>
+            <p:ph type="title"/>
+          </p:nvPr>
+        </p:nvSpPr>
+        <p:spPr/>
+        <p:txBody>
+          <a:bodyPr/>
+          <a:lstStyle/>
+          <a:p>
+            <a:endParaRPr lang="ko-KR" altLang="en-US"/>
+          </a:p>
+        </p:txBody>
+      </p:sp>
+      <p:sp>
+        <p:nvSpPr>
+          <p:cNvPr id="3" name="내용 개체 틀 2">
+            <a:extLst>
+              <a:ext uri="{FF2B5EF4-FFF2-40B4-BE49-F238E27FC236}">
+                <a16:creationId xmlns:a16="http://schemas.microsoft.com/office/drawing/2014/main" id="{2B494F4C-24B4-4D24-83BB-5BE97B5CB229}"/>
+              </a:ext>
+            </a:extLst>
+          </p:cNvPr>
+          <p:cNvSpPr>
+            <a:spLocks noGrp="1"/>
+          </p:cNvSpPr>
+          <p:nvPr>
+            <p:ph idx="1"/>
+          </p:nvPr>
+        </p:nvSpPr>
+        <p:spPr/>
+        <p:txBody>
+          <a:bodyPr/>
+          <a:lstStyle/>
+          <a:p>
+            <a:endParaRPr lang="ko-KR" altLang="en-US"/>
+          </a:p>
+        </p:txBody>
+      </p:sp>
+    </p:spTree>
+    <p:extLst>
+      <p:ext uri="{BB962C8B-B14F-4D97-AF65-F5344CB8AC3E}">
+        <p14:creationId xmlns:p14="http://schemas.microsoft.com/office/powerpoint/2010/main" val="1706863275"/>
+      </p:ext>
+    </p:extLst>
+  </p:cSld>
+  <p:clrMapOvr>
+    <a:masterClrMapping/>
+  </p:clrMapOvr>
+</p:sld>
+</file>
+
 <file path=ppt/slides/slide2.xml><?xml version="1.0" encoding="utf-8"?>
 <p:sld xmlns:a="http://schemas.openxmlformats.org/drawingml/2006/main" xmlns:r="http://schemas.openxmlformats.org/officeDocument/2006/relationships" xmlns:p="http://schemas.openxmlformats.org/presentationml/2006/main">
   <p:cSld>
@@ -3487,11 +3575,27 @@
           <a:p>
             <a:r>
               <a:rPr lang="en-US" altLang="ko-KR" dirty="0"/>
-              <a:t>Input: </a:t>
+              <a:t>Input: model</a:t>
             </a:r>
             <a:r>
               <a:rPr lang="ko-KR" altLang="en-US" dirty="0"/>
-              <a:t>모델사진 </a:t>
+              <a:t> </a:t>
+            </a:r>
+            <a:r>
+              <a:rPr lang="en-US" altLang="ko-KR" dirty="0"/>
+              <a:t>segmentation</a:t>
+            </a:r>
+            <a:r>
+              <a:rPr lang="ko-KR" altLang="en-US" dirty="0"/>
+              <a:t> </a:t>
+            </a:r>
+            <a:r>
+              <a:rPr lang="en-US" altLang="ko-KR" dirty="0"/>
+              <a:t>map</a:t>
+            </a:r>
+            <a:r>
+              <a:rPr lang="ko-KR" altLang="en-US" dirty="0"/>
+              <a:t> </a:t>
             </a:r>
             <a:r>
               <a:rPr lang="en-US" altLang="ko-KR" dirty="0"/>
@@ -3925,7 +4029,7 @@
           <p:cNvPr id="2" name="제목 1">
             <a:extLst>
               <a:ext uri="{FF2B5EF4-FFF2-40B4-BE49-F238E27FC236}">
-                <a16:creationId xmlns:a16="http://schemas.microsoft.com/office/drawing/2014/main" id="{3FF2B876-C4B2-4329-9BEA-E6BC011E8AEA}"/>
+                <a16:creationId xmlns:a16="http://schemas.microsoft.com/office/drawing/2014/main" id="{DF1DC10A-5DB3-4B31-A411-7A27D0F4F552}"/>
               </a:ext>
             </a:extLst>
           </p:cNvPr>
@@ -3943,7 +4047,31 @@
           <a:p>
             <a:r>
               <a:rPr lang="en-US" altLang="ko-KR" dirty="0"/>
-              <a:t>Stage one</a:t>
+              <a:t>When</a:t>
+            </a:r>
+            <a:r>
+              <a:rPr lang="ko-KR" altLang="en-US" dirty="0"/>
+              <a:t> </a:t>
+            </a:r>
+            <a:r>
+              <a:rPr lang="en-US" altLang="ko-KR" dirty="0"/>
+              <a:t>train</a:t>
+            </a:r>
+            <a:r>
+              <a:rPr lang="ko-KR" altLang="en-US" dirty="0"/>
+              <a:t> </a:t>
+            </a:r>
+            <a:r>
+              <a:rPr lang="en-US" altLang="ko-KR" dirty="0"/>
+              <a:t>we</a:t>
+            </a:r>
+            <a:r>
+              <a:rPr lang="ko-KR" altLang="en-US" dirty="0"/>
+              <a:t> </a:t>
+            </a:r>
+            <a:r>
+              <a:rPr lang="en-US" altLang="ko-KR" dirty="0"/>
+              <a:t>need</a:t>
             </a:r>
             <a:endParaRPr lang="ko-KR" altLang="en-US" dirty="0"/>
           </a:p>
@@ -3954,7 +4082,7 @@
           <p:cNvPr id="3" name="내용 개체 틀 2">
             <a:extLst>
               <a:ext uri="{FF2B5EF4-FFF2-40B4-BE49-F238E27FC236}">
-                <a16:creationId xmlns:a16="http://schemas.microsoft.com/office/drawing/2014/main" id="{751725D4-E18B-4E38-9DA0-432CBA49450B}"/>
+                <a16:creationId xmlns:a16="http://schemas.microsoft.com/office/drawing/2014/main" id="{98C2111E-4254-471D-A2BD-B5151515D803}"/>
               </a:ext>
             </a:extLst>
           </p:cNvPr>
@@ -3972,52 +4100,36 @@
           <a:p>
             <a:r>
               <a:rPr lang="en-US" altLang="ko-KR" dirty="0"/>
-              <a:t> human segmentation map </a:t>
+              <a:t>1 model wearing cloth + description about that cloth</a:t>
+            </a:r>
+          </a:p>
+          <a:p>
+            <a:pPr marL="0" indent="0">
+              <a:buNone/>
+            </a:pPr>
+            <a:r>
+              <a:rPr lang="en-US" altLang="ko-KR" dirty="0"/>
+              <a:t>-&gt; input image </a:t>
             </a:r>
             <a:r>
               <a:rPr lang="ko-KR" altLang="en-US" dirty="0"/>
-              <a:t>생성</a:t>
+              <a:t>와 </a:t>
             </a:r>
             <a:r>
               <a:rPr lang="en-US" altLang="ko-KR" dirty="0"/>
-              <a:t>(</a:t>
-            </a:r>
-            <a:r>
-              <a:rPr lang="en-US" altLang="ko-KR" dirty="0" err="1"/>
-              <a:t>bodyshape</a:t>
-            </a:r>
-            <a:r>
-              <a:rPr lang="en-US" altLang="ko-KR" dirty="0"/>
-              <a:t> , upper garment)</a:t>
-            </a:r>
-          </a:p>
-          <a:p>
-            <a:pPr marL="0" indent="0">
-              <a:buNone/>
-            </a:pPr>
-            <a:endParaRPr lang="en-US" altLang="ko-KR" dirty="0"/>
-          </a:p>
-          <a:p>
-            <a:pPr marL="0" indent="0">
-              <a:buNone/>
-            </a:pPr>
-            <a:r>
-              <a:rPr lang="en-US" altLang="ko-KR" dirty="0"/>
-              <a:t>-&gt; preserve body shape</a:t>
-            </a:r>
-          </a:p>
-          <a:p>
-            <a:pPr marL="0" indent="0">
-              <a:buNone/>
-            </a:pPr>
-            <a:endParaRPr lang="ko-KR" altLang="en-US" dirty="0"/>
+              <a:t>target image </a:t>
+            </a:r>
+            <a:r>
+              <a:rPr lang="ko-KR" altLang="en-US" dirty="0"/>
+              <a:t>둘 다로 쓰일 수 있음</a:t>
+            </a:r>
           </a:p>
         </p:txBody>
       </p:sp>
     </p:spTree>
     <p:extLst>
       <p:ext uri="{BB962C8B-B14F-4D97-AF65-F5344CB8AC3E}">
-        <p14:creationId xmlns:p14="http://schemas.microsoft.com/office/powerpoint/2010/main" val="3259194484"/>
+        <p14:creationId xmlns:p14="http://schemas.microsoft.com/office/powerpoint/2010/main" val="2380484077"/>
       </p:ext>
     </p:extLst>
   </p:cSld>
@@ -4049,7 +4161,7 @@
           <p:cNvPr id="2" name="제목 1">
             <a:extLst>
               <a:ext uri="{FF2B5EF4-FFF2-40B4-BE49-F238E27FC236}">
-                <a16:creationId xmlns:a16="http://schemas.microsoft.com/office/drawing/2014/main" id="{4DC23BA9-DEE6-4E8F-B4DC-E2B86C872E92}"/>
+                <a16:creationId xmlns:a16="http://schemas.microsoft.com/office/drawing/2014/main" id="{0E933E11-06EB-4B21-B080-FD23609CC359}"/>
               </a:ext>
             </a:extLst>
           </p:cNvPr>
@@ -4067,69 +4179,273 @@
           <a:p>
             <a:r>
               <a:rPr lang="en-US" altLang="ko-KR" dirty="0"/>
-              <a:t>Stage two</a:t>
+              <a:t>Extract vector of binary feature</a:t>
             </a:r>
             <a:endParaRPr lang="ko-KR" altLang="en-US" dirty="0"/>
           </a:p>
         </p:txBody>
       </p:sp>
-      <p:sp>
-        <p:nvSpPr>
-          <p:cNvPr id="3" name="내용 개체 틀 2">
-            <a:extLst>
-              <a:ext uri="{FF2B5EF4-FFF2-40B4-BE49-F238E27FC236}">
-                <a16:creationId xmlns:a16="http://schemas.microsoft.com/office/drawing/2014/main" id="{7D3B69CE-6DCD-4DF9-9B5A-ED56B640A708}"/>
-              </a:ext>
-            </a:extLst>
-          </p:cNvPr>
-          <p:cNvSpPr>
-            <a:spLocks noGrp="1"/>
-          </p:cNvSpPr>
-          <p:nvPr>
-            <p:ph idx="1"/>
-          </p:nvPr>
-        </p:nvSpPr>
-        <p:spPr/>
-        <p:txBody>
-          <a:bodyPr/>
+      <mc:AlternateContent xmlns:mc="http://schemas.openxmlformats.org/markup-compatibility/2006">
+        <mc:Choice xmlns:a14="http://schemas.microsoft.com/office/drawing/2010/main" Requires="a14">
+          <p:sp>
+            <p:nvSpPr>
+              <p:cNvPr id="3" name="내용 개체 틀 2">
+                <a:extLst>
+                  <a:ext uri="{FF2B5EF4-FFF2-40B4-BE49-F238E27FC236}">
+                    <a16:creationId xmlns:a16="http://schemas.microsoft.com/office/drawing/2014/main" id="{EF2D901F-210F-47C5-AE03-5B29C4E1D6BA}"/>
+                  </a:ext>
+                </a:extLst>
+              </p:cNvPr>
+              <p:cNvSpPr>
+                <a:spLocks noGrp="1"/>
+              </p:cNvSpPr>
+              <p:nvPr>
+                <p:ph idx="1"/>
+              </p:nvPr>
+            </p:nvSpPr>
+            <p:spPr/>
+            <p:txBody>
+              <a:bodyPr/>
+              <a:lstStyle/>
+              <a:p>
+                <a:r>
+                  <a:rPr lang="en-US" altLang="ko-KR" dirty="0"/>
+                  <a:t>a: body, face, and other physical characteristics vector</a:t>
+                </a:r>
+              </a:p>
+              <a:p>
+                <a:r>
+                  <a:rPr lang="en-US" altLang="ko-KR" dirty="0"/>
+                  <a:t>v: text encoding</a:t>
+                </a:r>
+              </a:p>
+              <a:p>
+                <a:pPr marL="0" indent="0">
+                  <a:buNone/>
+                </a:pPr>
+                <a:r>
+                  <a:rPr lang="en-US" altLang="ko-KR" dirty="0"/>
+                  <a:t>d = (</a:t>
+                </a:r>
+                <a:r>
+                  <a:rPr lang="en-US" altLang="ko-KR" dirty="0" err="1"/>
+                  <a:t>a,v</a:t>
+                </a:r>
+                <a:r>
+                  <a:rPr lang="en-US" altLang="ko-KR" dirty="0"/>
+                  <a:t>)</a:t>
+                </a:r>
+              </a:p>
+              <a:p>
+                <a14:m>
+                  <m:oMath xmlns:m="http://schemas.openxmlformats.org/officeDocument/2006/math">
+                    <m:sSub>
+                      <m:sSubPr>
+                        <m:ctrlPr>
+                          <a:rPr lang="en-US" altLang="ko-KR" i="1" smtClean="0">
+                            <a:latin typeface="Cambria Math" panose="02040503050406030204" pitchFamily="18" charset="0"/>
+                          </a:rPr>
+                        </m:ctrlPr>
+                      </m:sSubPr>
+                      <m:e>
+                        <m:r>
+                          <a:rPr lang="en-US" altLang="ko-KR" b="0" i="1" smtClean="0">
+                            <a:latin typeface="Cambria Math" panose="02040503050406030204" pitchFamily="18" charset="0"/>
+                          </a:rPr>
+                          <m:t>𝑆</m:t>
+                        </m:r>
+                      </m:e>
+                      <m:sub>
+                        <m:r>
+                          <a:rPr lang="en-US" altLang="ko-KR" b="0" i="1" smtClean="0">
+                            <a:latin typeface="Cambria Math" panose="02040503050406030204" pitchFamily="18" charset="0"/>
+                          </a:rPr>
+                          <m:t>0</m:t>
+                        </m:r>
+                      </m:sub>
+                    </m:sSub>
+                    <m:r>
+                      <a:rPr lang="en-US" altLang="ko-KR" b="0" i="1" smtClean="0">
+                        <a:latin typeface="Cambria Math" panose="02040503050406030204" pitchFamily="18" charset="0"/>
+                      </a:rPr>
+                      <m:t>:</m:t>
+                    </m:r>
+                  </m:oMath>
+                </a14:m>
+                <a:r>
+                  <a:rPr lang="en-US" altLang="ko-KR" dirty="0"/>
+                  <a:t>human segmentation map</a:t>
+                </a:r>
+              </a:p>
+              <a:p>
+                <a:endParaRPr lang="en-US" altLang="ko-KR" dirty="0"/>
+              </a:p>
+              <a:p>
+                <a:r>
+                  <a:rPr lang="en-US" altLang="ko-KR" dirty="0"/>
+                  <a:t>I: synthesized image</a:t>
+                </a:r>
+                <a:endParaRPr lang="ko-KR" altLang="en-US" dirty="0"/>
+              </a:p>
+            </p:txBody>
+          </p:sp>
+        </mc:Choice>
+        <mc:Fallback>
+          <p:sp>
+            <p:nvSpPr>
+              <p:cNvPr id="3" name="내용 개체 틀 2">
+                <a:extLst>
+                  <a:ext uri="{FF2B5EF4-FFF2-40B4-BE49-F238E27FC236}">
+                    <a16:creationId xmlns:a16="http://schemas.microsoft.com/office/drawing/2014/main" id="{EF2D901F-210F-47C5-AE03-5B29C4E1D6BA}"/>
+                  </a:ext>
+                </a:extLst>
+              </p:cNvPr>
+              <p:cNvSpPr>
+                <a:spLocks noGrp="1" noRot="1" noChangeAspect="1" noMove="1" noResize="1" noEditPoints="1" noAdjustHandles="1" noChangeArrowheads="1" noChangeShapeType="1" noTextEdit="1"/>
+              </p:cNvSpPr>
+              <p:nvPr>
+                <p:ph idx="1"/>
+              </p:nvPr>
+            </p:nvSpPr>
+            <p:spPr>
+              <a:blipFill>
+                <a:blip r:embed="rId2"/>
+                <a:stretch>
+                  <a:fillRect l="-1217" t="-2381"/>
+                </a:stretch>
+              </a:blipFill>
+            </p:spPr>
+            <p:txBody>
+              <a:bodyPr/>
+              <a:lstStyle/>
+              <a:p>
+                <a:r>
+                  <a:rPr lang="ko-KR" altLang="en-US">
+                    <a:noFill/>
+                  </a:rPr>
+                  <a:t> </a:t>
+                </a:r>
+              </a:p>
+            </p:txBody>
+          </p:sp>
+        </mc:Fallback>
+      </mc:AlternateContent>
+      <p:pic>
+        <p:nvPicPr>
+          <p:cNvPr id="4" name="그림 3">
+            <a:extLst>
+              <a:ext uri="{FF2B5EF4-FFF2-40B4-BE49-F238E27FC236}">
+                <a16:creationId xmlns:a16="http://schemas.microsoft.com/office/drawing/2014/main" id="{D36CA195-A86D-4280-B9E0-4C243A9AF846}"/>
+              </a:ext>
+            </a:extLst>
+          </p:cNvPr>
+          <p:cNvPicPr>
+            <a:picLocks noChangeAspect="1"/>
+          </p:cNvPicPr>
+          <p:nvPr/>
+        </p:nvPicPr>
+        <p:blipFill>
+          <a:blip r:embed="rId3"/>
+          <a:stretch>
+            <a:fillRect/>
+          </a:stretch>
+        </p:blipFill>
+        <p:spPr>
+          <a:xfrm>
+            <a:off x="838200" y="5216525"/>
+            <a:ext cx="4429125" cy="1276350"/>
+          </a:xfrm>
+          <a:prstGeom prst="rect">
+            <a:avLst/>
+          </a:prstGeom>
+        </p:spPr>
+      </p:pic>
+      <p:cxnSp>
+        <p:nvCxnSpPr>
+          <p:cNvPr id="6" name="직선 화살표 연결선 5">
+            <a:extLst>
+              <a:ext uri="{FF2B5EF4-FFF2-40B4-BE49-F238E27FC236}">
+                <a16:creationId xmlns:a16="http://schemas.microsoft.com/office/drawing/2014/main" id="{9607837C-EE5A-4321-AD8C-EAB33FFBB34F}"/>
+              </a:ext>
+            </a:extLst>
+          </p:cNvPr>
+          <p:cNvCxnSpPr/>
+          <p:nvPr/>
+        </p:nvCxnSpPr>
+        <p:spPr>
+          <a:xfrm flipV="1">
+            <a:off x="3976099" y="5024063"/>
+            <a:ext cx="780836" cy="339047"/>
+          </a:xfrm>
+          <a:prstGeom prst="straightConnector1">
+            <a:avLst/>
+          </a:prstGeom>
+          <a:ln>
+            <a:tailEnd type="triangle"/>
+          </a:ln>
+        </p:spPr>
+        <p:style>
+          <a:lnRef idx="1">
+            <a:schemeClr val="accent1"/>
+          </a:lnRef>
+          <a:fillRef idx="0">
+            <a:schemeClr val="accent1"/>
+          </a:fillRef>
+          <a:effectRef idx="0">
+            <a:schemeClr val="accent1"/>
+          </a:effectRef>
+          <a:fontRef idx="minor">
+            <a:schemeClr val="tx1"/>
+          </a:fontRef>
+        </p:style>
+      </p:cxnSp>
+      <p:sp>
+        <p:nvSpPr>
+          <p:cNvPr id="8" name="TextBox 7">
+            <a:extLst>
+              <a:ext uri="{FF2B5EF4-FFF2-40B4-BE49-F238E27FC236}">
+                <a16:creationId xmlns:a16="http://schemas.microsoft.com/office/drawing/2014/main" id="{11CB93DE-FA7C-4D5E-8261-3BBA6AD5FE89}"/>
+              </a:ext>
+            </a:extLst>
+          </p:cNvPr>
+          <p:cNvSpPr txBox="1"/>
+          <p:nvPr/>
+        </p:nvSpPr>
+        <p:spPr>
+          <a:xfrm>
+            <a:off x="4890499" y="4695290"/>
+            <a:ext cx="3801041" cy="369332"/>
+          </a:xfrm>
+          <a:prstGeom prst="rect">
+            <a:avLst/>
+          </a:prstGeom>
+          <a:noFill/>
+        </p:spPr>
+        <p:txBody>
+          <a:bodyPr wrap="none" rtlCol="0">
+            <a:spAutoFit/>
+          </a:bodyPr>
           <a:lstStyle/>
           <a:p>
             <a:r>
               <a:rPr lang="en-US" altLang="ko-KR" dirty="0"/>
-              <a:t>Generator input : segmentation map + texture description</a:t>
-            </a:r>
-          </a:p>
-          <a:p>
-            <a:pPr marL="0" indent="0">
-              <a:buNone/>
-            </a:pPr>
-            <a:r>
-              <a:rPr lang="en-US" altLang="ko-KR" dirty="0"/>
-              <a:t>-&gt;renders the region-specific texture onto the photograph</a:t>
-            </a:r>
-          </a:p>
-          <a:p>
-            <a:pPr marL="0" indent="0">
-              <a:buNone/>
-            </a:pPr>
-            <a:endParaRPr lang="en-US" altLang="ko-KR" dirty="0"/>
-          </a:p>
-          <a:p>
-            <a:pPr marL="0" indent="0">
-              <a:buNone/>
-            </a:pPr>
-            <a:r>
-              <a:rPr lang="en-US" altLang="ko-KR" dirty="0"/>
-              <a:t>+ new mapping layer</a:t>
-            </a:r>
-            <a:endParaRPr lang="ko-KR" altLang="en-US" dirty="0"/>
+              <a:t>Original </a:t>
+            </a:r>
+            <a:r>
+              <a:rPr lang="en-US" altLang="ko-KR" dirty="0" err="1"/>
+              <a:t>segmestation</a:t>
+            </a:r>
+            <a:r>
+              <a:rPr lang="ko-KR" altLang="en-US" dirty="0"/>
+              <a:t>의 저해상도</a:t>
+            </a:r>
           </a:p>
         </p:txBody>
       </p:sp>
     </p:spTree>
     <p:extLst>
       <p:ext uri="{BB962C8B-B14F-4D97-AF65-F5344CB8AC3E}">
-        <p14:creationId xmlns:p14="http://schemas.microsoft.com/office/powerpoint/2010/main" val="42084391"/>
+        <p14:creationId xmlns:p14="http://schemas.microsoft.com/office/powerpoint/2010/main" val="1738337792"/>
       </p:ext>
     </p:extLst>
   </p:cSld>
@@ -4156,60 +4472,492 @@
           <a:chExt cx="0" cy="0"/>
         </a:xfrm>
       </p:grpSpPr>
-      <p:sp>
-        <p:nvSpPr>
-          <p:cNvPr id="2" name="제목 1">
-            <a:extLst>
-              <a:ext uri="{FF2B5EF4-FFF2-40B4-BE49-F238E27FC236}">
-                <a16:creationId xmlns:a16="http://schemas.microsoft.com/office/drawing/2014/main" id="{55F5928B-C1BC-4EB4-9A80-B2BA8D7C2163}"/>
-              </a:ext>
-            </a:extLst>
-          </p:cNvPr>
-          <p:cNvSpPr>
-            <a:spLocks noGrp="1"/>
-          </p:cNvSpPr>
-          <p:nvPr>
-            <p:ph type="title"/>
-          </p:nvPr>
-        </p:nvSpPr>
-        <p:spPr/>
-        <p:txBody>
-          <a:bodyPr/>
-          <a:lstStyle/>
-          <a:p>
-            <a:endParaRPr lang="ko-KR" altLang="en-US"/>
-          </a:p>
-        </p:txBody>
-      </p:sp>
-      <p:sp>
-        <p:nvSpPr>
-          <p:cNvPr id="3" name="내용 개체 틀 2">
-            <a:extLst>
-              <a:ext uri="{FF2B5EF4-FFF2-40B4-BE49-F238E27FC236}">
-                <a16:creationId xmlns:a16="http://schemas.microsoft.com/office/drawing/2014/main" id="{2B494F4C-24B4-4D24-83BB-5BE97B5CB229}"/>
-              </a:ext>
-            </a:extLst>
-          </p:cNvPr>
-          <p:cNvSpPr>
-            <a:spLocks noGrp="1"/>
-          </p:cNvSpPr>
+      <p:pic>
+        <p:nvPicPr>
+          <p:cNvPr id="4" name="내용 개체 틀 3">
+            <a:extLst>
+              <a:ext uri="{FF2B5EF4-FFF2-40B4-BE49-F238E27FC236}">
+                <a16:creationId xmlns:a16="http://schemas.microsoft.com/office/drawing/2014/main" id="{31DA3D45-070A-4E6E-874F-4F2B8B077854}"/>
+              </a:ext>
+            </a:extLst>
+          </p:cNvPr>
+          <p:cNvPicPr>
+            <a:picLocks noGrp="1" noChangeAspect="1"/>
+          </p:cNvPicPr>
           <p:nvPr>
             <p:ph idx="1"/>
           </p:nvPr>
-        </p:nvSpPr>
-        <p:spPr/>
-        <p:txBody>
-          <a:bodyPr/>
-          <a:lstStyle/>
-          <a:p>
-            <a:endParaRPr lang="ko-KR" altLang="en-US"/>
-          </a:p>
-        </p:txBody>
-      </p:sp>
+        </p:nvPicPr>
+        <p:blipFill>
+          <a:blip r:embed="rId2"/>
+          <a:stretch>
+            <a:fillRect/>
+          </a:stretch>
+        </p:blipFill>
+        <p:spPr>
+          <a:xfrm>
+            <a:off x="997688" y="2441188"/>
+            <a:ext cx="2990850" cy="504825"/>
+          </a:xfrm>
+          <a:prstGeom prst="rect">
+            <a:avLst/>
+          </a:prstGeom>
+        </p:spPr>
+      </p:pic>
+      <p:pic>
+        <p:nvPicPr>
+          <p:cNvPr id="5" name="그림 4">
+            <a:extLst>
+              <a:ext uri="{FF2B5EF4-FFF2-40B4-BE49-F238E27FC236}">
+                <a16:creationId xmlns:a16="http://schemas.microsoft.com/office/drawing/2014/main" id="{B8E411E1-461D-4E4C-BD27-2FE31A5FC14E}"/>
+              </a:ext>
+            </a:extLst>
+          </p:cNvPr>
+          <p:cNvPicPr>
+            <a:picLocks noChangeAspect="1"/>
+          </p:cNvPicPr>
+          <p:nvPr/>
+        </p:nvPicPr>
+        <p:blipFill>
+          <a:blip r:embed="rId3"/>
+          <a:stretch>
+            <a:fillRect/>
+          </a:stretch>
+        </p:blipFill>
+        <p:spPr>
+          <a:xfrm>
+            <a:off x="997688" y="378711"/>
+            <a:ext cx="4429125" cy="1276350"/>
+          </a:xfrm>
+          <a:prstGeom prst="rect">
+            <a:avLst/>
+          </a:prstGeom>
+        </p:spPr>
+      </p:pic>
+      <p:cxnSp>
+        <p:nvCxnSpPr>
+          <p:cNvPr id="7" name="직선 화살표 연결선 6">
+            <a:extLst>
+              <a:ext uri="{FF2B5EF4-FFF2-40B4-BE49-F238E27FC236}">
+                <a16:creationId xmlns:a16="http://schemas.microsoft.com/office/drawing/2014/main" id="{D3A37406-1BFF-47EC-A45E-7D16F17AD6E9}"/>
+              </a:ext>
+            </a:extLst>
+          </p:cNvPr>
+          <p:cNvCxnSpPr/>
+          <p:nvPr/>
+        </p:nvCxnSpPr>
+        <p:spPr>
+          <a:xfrm flipH="1">
+            <a:off x="1435395" y="925033"/>
+            <a:ext cx="2923954" cy="1488558"/>
+          </a:xfrm>
+          <a:prstGeom prst="straightConnector1">
+            <a:avLst/>
+          </a:prstGeom>
+          <a:ln>
+            <a:tailEnd type="triangle"/>
+          </a:ln>
+        </p:spPr>
+        <p:style>
+          <a:lnRef idx="1">
+            <a:schemeClr val="accent1"/>
+          </a:lnRef>
+          <a:fillRef idx="0">
+            <a:schemeClr val="accent1"/>
+          </a:fillRef>
+          <a:effectRef idx="0">
+            <a:schemeClr val="accent1"/>
+          </a:effectRef>
+          <a:fontRef idx="minor">
+            <a:schemeClr val="tx1"/>
+          </a:fontRef>
+        </p:style>
+      </p:cxnSp>
+      <p:sp>
+        <p:nvSpPr>
+          <p:cNvPr id="8" name="TextBox 7">
+            <a:extLst>
+              <a:ext uri="{FF2B5EF4-FFF2-40B4-BE49-F238E27FC236}">
+                <a16:creationId xmlns:a16="http://schemas.microsoft.com/office/drawing/2014/main" id="{E39FDCC2-0EAA-49B4-AA9C-C34BE64EF5B2}"/>
+              </a:ext>
+            </a:extLst>
+          </p:cNvPr>
+          <p:cNvSpPr txBox="1"/>
+          <p:nvPr/>
+        </p:nvSpPr>
+        <p:spPr>
+          <a:xfrm>
+            <a:off x="4232953" y="2558265"/>
+            <a:ext cx="7808933" cy="646331"/>
+          </a:xfrm>
+          <a:prstGeom prst="rect">
+            <a:avLst/>
+          </a:prstGeom>
+          <a:noFill/>
+        </p:spPr>
+        <p:txBody>
+          <a:bodyPr wrap="none" rtlCol="0">
+            <a:spAutoFit/>
+          </a:bodyPr>
+          <a:lstStyle/>
+          <a:p>
+            <a:r>
+              <a:rPr lang="en-US" altLang="ko-KR" dirty="0"/>
+              <a:t>(m:</a:t>
+            </a:r>
+            <a:r>
+              <a:rPr lang="ko-KR" altLang="en-US" dirty="0"/>
+              <a:t>넓이</a:t>
+            </a:r>
+            <a:r>
+              <a:rPr lang="en-US" altLang="ko-KR" dirty="0"/>
+              <a:t>, n:</a:t>
+            </a:r>
+            <a:r>
+              <a:rPr lang="ko-KR" altLang="en-US" dirty="0"/>
+              <a:t>높이</a:t>
+            </a:r>
+            <a:endParaRPr lang="en-US" altLang="ko-KR" dirty="0"/>
+          </a:p>
+          <a:p>
+            <a:r>
+              <a:rPr lang="en-US" altLang="ko-KR" dirty="0"/>
+              <a:t> L: 7{background, hair, face, upper-clothes, pants/shorts, legs, and arms})</a:t>
+            </a:r>
+            <a:endParaRPr lang="ko-KR" altLang="en-US" dirty="0"/>
+          </a:p>
+        </p:txBody>
+      </p:sp>
+      <p:pic>
+        <p:nvPicPr>
+          <p:cNvPr id="9" name="그림 8">
+            <a:extLst>
+              <a:ext uri="{FF2B5EF4-FFF2-40B4-BE49-F238E27FC236}">
+                <a16:creationId xmlns:a16="http://schemas.microsoft.com/office/drawing/2014/main" id="{606ADBEF-E5F7-42D4-9F03-EF8032737A14}"/>
+              </a:ext>
+            </a:extLst>
+          </p:cNvPr>
+          <p:cNvPicPr>
+            <a:picLocks noChangeAspect="1"/>
+          </p:cNvPicPr>
+          <p:nvPr/>
+        </p:nvPicPr>
+        <p:blipFill>
+          <a:blip r:embed="rId4"/>
+          <a:stretch>
+            <a:fillRect/>
+          </a:stretch>
+        </p:blipFill>
+        <p:spPr>
+          <a:xfrm>
+            <a:off x="0" y="3349270"/>
+            <a:ext cx="12192000" cy="3512949"/>
+          </a:xfrm>
+          <a:prstGeom prst="rect">
+            <a:avLst/>
+          </a:prstGeom>
+        </p:spPr>
+      </p:pic>
     </p:spTree>
     <p:extLst>
       <p:ext uri="{BB962C8B-B14F-4D97-AF65-F5344CB8AC3E}">
-        <p14:creationId xmlns:p14="http://schemas.microsoft.com/office/powerpoint/2010/main" val="1706863275"/>
+        <p14:creationId xmlns:p14="http://schemas.microsoft.com/office/powerpoint/2010/main" val="2132666596"/>
+      </p:ext>
+    </p:extLst>
+  </p:cSld>
+  <p:clrMapOvr>
+    <a:masterClrMapping/>
+  </p:clrMapOvr>
+</p:sld>
+</file>
+
+<file path=ppt/slides/slide8.xml><?xml version="1.0" encoding="utf-8"?>
+<p:sld xmlns:a="http://schemas.openxmlformats.org/drawingml/2006/main" xmlns:r="http://schemas.openxmlformats.org/officeDocument/2006/relationships" xmlns:p="http://schemas.openxmlformats.org/presentationml/2006/main">
+  <p:cSld>
+    <p:spTree>
+      <p:nvGrpSpPr>
+        <p:cNvPr id="1" name=""/>
+        <p:cNvGrpSpPr/>
+        <p:nvPr/>
+      </p:nvGrpSpPr>
+      <p:grpSpPr>
+        <a:xfrm>
+          <a:off x="0" y="0"/>
+          <a:ext cx="0" cy="0"/>
+          <a:chOff x="0" y="0"/>
+          <a:chExt cx="0" cy="0"/>
+        </a:xfrm>
+      </p:grpSpPr>
+      <p:sp>
+        <p:nvSpPr>
+          <p:cNvPr id="2" name="제목 1">
+            <a:extLst>
+              <a:ext uri="{FF2B5EF4-FFF2-40B4-BE49-F238E27FC236}">
+                <a16:creationId xmlns:a16="http://schemas.microsoft.com/office/drawing/2014/main" id="{3FF2B876-C4B2-4329-9BEA-E6BC011E8AEA}"/>
+              </a:ext>
+            </a:extLst>
+          </p:cNvPr>
+          <p:cNvSpPr>
+            <a:spLocks noGrp="1"/>
+          </p:cNvSpPr>
+          <p:nvPr>
+            <p:ph type="title"/>
+          </p:nvPr>
+        </p:nvSpPr>
+        <p:spPr/>
+        <p:txBody>
+          <a:bodyPr/>
+          <a:lstStyle/>
+          <a:p>
+            <a:r>
+              <a:rPr lang="en-US" altLang="ko-KR" dirty="0"/>
+              <a:t>Stage one</a:t>
+            </a:r>
+            <a:endParaRPr lang="ko-KR" altLang="en-US" dirty="0"/>
+          </a:p>
+        </p:txBody>
+      </p:sp>
+      <p:sp>
+        <p:nvSpPr>
+          <p:cNvPr id="3" name="내용 개체 틀 2">
+            <a:extLst>
+              <a:ext uri="{FF2B5EF4-FFF2-40B4-BE49-F238E27FC236}">
+                <a16:creationId xmlns:a16="http://schemas.microsoft.com/office/drawing/2014/main" id="{751725D4-E18B-4E38-9DA0-432CBA49450B}"/>
+              </a:ext>
+            </a:extLst>
+          </p:cNvPr>
+          <p:cNvSpPr>
+            <a:spLocks noGrp="1"/>
+          </p:cNvSpPr>
+          <p:nvPr>
+            <p:ph idx="1"/>
+          </p:nvPr>
+        </p:nvSpPr>
+        <p:spPr/>
+        <p:txBody>
+          <a:bodyPr/>
+          <a:lstStyle/>
+          <a:p>
+            <a:r>
+              <a:rPr lang="en-US" altLang="ko-KR" dirty="0"/>
+              <a:t> human segmentation map </a:t>
+            </a:r>
+            <a:r>
+              <a:rPr lang="ko-KR" altLang="en-US" dirty="0"/>
+              <a:t>생성</a:t>
+            </a:r>
+            <a:r>
+              <a:rPr lang="en-US" altLang="ko-KR" dirty="0"/>
+              <a:t>(</a:t>
+            </a:r>
+            <a:r>
+              <a:rPr lang="en-US" altLang="ko-KR" dirty="0" err="1"/>
+              <a:t>bodyshape</a:t>
+            </a:r>
+            <a:r>
+              <a:rPr lang="en-US" altLang="ko-KR" dirty="0"/>
+              <a:t> , upper garment)</a:t>
+            </a:r>
+          </a:p>
+          <a:p>
+            <a:pPr marL="0" indent="0">
+              <a:buNone/>
+            </a:pPr>
+            <a:endParaRPr lang="en-US" altLang="ko-KR" dirty="0"/>
+          </a:p>
+          <a:p>
+            <a:pPr marL="0" indent="0">
+              <a:buNone/>
+            </a:pPr>
+            <a:r>
+              <a:rPr lang="en-US" altLang="ko-KR" dirty="0"/>
+              <a:t>-&gt; preserve body shape</a:t>
+            </a:r>
+          </a:p>
+          <a:p>
+            <a:pPr marL="0" indent="0">
+              <a:buNone/>
+            </a:pPr>
+            <a:endParaRPr lang="ko-KR" altLang="en-US" dirty="0"/>
+          </a:p>
+        </p:txBody>
+      </p:sp>
+      <p:pic>
+        <p:nvPicPr>
+          <p:cNvPr id="4" name="그림 3">
+            <a:extLst>
+              <a:ext uri="{FF2B5EF4-FFF2-40B4-BE49-F238E27FC236}">
+                <a16:creationId xmlns:a16="http://schemas.microsoft.com/office/drawing/2014/main" id="{60139910-E583-4E46-A8A5-00841E5E7123}"/>
+              </a:ext>
+            </a:extLst>
+          </p:cNvPr>
+          <p:cNvPicPr>
+            <a:picLocks noChangeAspect="1"/>
+          </p:cNvPicPr>
+          <p:nvPr/>
+        </p:nvPicPr>
+        <p:blipFill>
+          <a:blip r:embed="rId2"/>
+          <a:stretch>
+            <a:fillRect/>
+          </a:stretch>
+        </p:blipFill>
+        <p:spPr>
+          <a:xfrm>
+            <a:off x="0" y="3349270"/>
+            <a:ext cx="12192000" cy="3512949"/>
+          </a:xfrm>
+          <a:prstGeom prst="rect">
+            <a:avLst/>
+          </a:prstGeom>
+        </p:spPr>
+      </p:pic>
+    </p:spTree>
+    <p:extLst>
+      <p:ext uri="{BB962C8B-B14F-4D97-AF65-F5344CB8AC3E}">
+        <p14:creationId xmlns:p14="http://schemas.microsoft.com/office/powerpoint/2010/main" val="3259194484"/>
+      </p:ext>
+    </p:extLst>
+  </p:cSld>
+  <p:clrMapOvr>
+    <a:masterClrMapping/>
+  </p:clrMapOvr>
+</p:sld>
+</file>
+
+<file path=ppt/slides/slide9.xml><?xml version="1.0" encoding="utf-8"?>
+<p:sld xmlns:a="http://schemas.openxmlformats.org/drawingml/2006/main" xmlns:r="http://schemas.openxmlformats.org/officeDocument/2006/relationships" xmlns:p="http://schemas.openxmlformats.org/presentationml/2006/main">
+  <p:cSld>
+    <p:spTree>
+      <p:nvGrpSpPr>
+        <p:cNvPr id="1" name=""/>
+        <p:cNvGrpSpPr/>
+        <p:nvPr/>
+      </p:nvGrpSpPr>
+      <p:grpSpPr>
+        <a:xfrm>
+          <a:off x="0" y="0"/>
+          <a:ext cx="0" cy="0"/>
+          <a:chOff x="0" y="0"/>
+          <a:chExt cx="0" cy="0"/>
+        </a:xfrm>
+      </p:grpSpPr>
+      <p:sp>
+        <p:nvSpPr>
+          <p:cNvPr id="2" name="제목 1">
+            <a:extLst>
+              <a:ext uri="{FF2B5EF4-FFF2-40B4-BE49-F238E27FC236}">
+                <a16:creationId xmlns:a16="http://schemas.microsoft.com/office/drawing/2014/main" id="{4DC23BA9-DEE6-4E8F-B4DC-E2B86C872E92}"/>
+              </a:ext>
+            </a:extLst>
+          </p:cNvPr>
+          <p:cNvSpPr>
+            <a:spLocks noGrp="1"/>
+          </p:cNvSpPr>
+          <p:nvPr>
+            <p:ph type="title"/>
+          </p:nvPr>
+        </p:nvSpPr>
+        <p:spPr/>
+        <p:txBody>
+          <a:bodyPr/>
+          <a:lstStyle/>
+          <a:p>
+            <a:r>
+              <a:rPr lang="en-US" altLang="ko-KR" dirty="0"/>
+              <a:t>Stage two</a:t>
+            </a:r>
+            <a:endParaRPr lang="ko-KR" altLang="en-US" dirty="0"/>
+          </a:p>
+        </p:txBody>
+      </p:sp>
+      <p:sp>
+        <p:nvSpPr>
+          <p:cNvPr id="3" name="내용 개체 틀 2">
+            <a:extLst>
+              <a:ext uri="{FF2B5EF4-FFF2-40B4-BE49-F238E27FC236}">
+                <a16:creationId xmlns:a16="http://schemas.microsoft.com/office/drawing/2014/main" id="{7D3B69CE-6DCD-4DF9-9B5A-ED56B640A708}"/>
+              </a:ext>
+            </a:extLst>
+          </p:cNvPr>
+          <p:cNvSpPr>
+            <a:spLocks noGrp="1"/>
+          </p:cNvSpPr>
+          <p:nvPr>
+            <p:ph idx="1"/>
+          </p:nvPr>
+        </p:nvSpPr>
+        <p:spPr/>
+        <p:txBody>
+          <a:bodyPr/>
+          <a:lstStyle/>
+          <a:p>
+            <a:r>
+              <a:rPr lang="en-US" altLang="ko-KR" dirty="0"/>
+              <a:t>Generator input : segmentation map + texture description</a:t>
+            </a:r>
+          </a:p>
+          <a:p>
+            <a:pPr marL="0" indent="0">
+              <a:buNone/>
+            </a:pPr>
+            <a:r>
+              <a:rPr lang="en-US" altLang="ko-KR" dirty="0"/>
+              <a:t>-&gt;renders the region-specific texture onto the photograph</a:t>
+            </a:r>
+          </a:p>
+          <a:p>
+            <a:pPr marL="0" indent="0">
+              <a:buNone/>
+            </a:pPr>
+            <a:endParaRPr lang="en-US" altLang="ko-KR" dirty="0"/>
+          </a:p>
+          <a:p>
+            <a:pPr marL="0" indent="0">
+              <a:buNone/>
+            </a:pPr>
+            <a:r>
+              <a:rPr lang="en-US" altLang="ko-KR" dirty="0"/>
+              <a:t>+ new mapping layer</a:t>
+            </a:r>
+            <a:endParaRPr lang="ko-KR" altLang="en-US" dirty="0"/>
+          </a:p>
+        </p:txBody>
+      </p:sp>
+      <p:pic>
+        <p:nvPicPr>
+          <p:cNvPr id="4" name="그림 3">
+            <a:extLst>
+              <a:ext uri="{FF2B5EF4-FFF2-40B4-BE49-F238E27FC236}">
+                <a16:creationId xmlns:a16="http://schemas.microsoft.com/office/drawing/2014/main" id="{E3A93C31-8581-4FAE-B4F1-9542542AEF26}"/>
+              </a:ext>
+            </a:extLst>
+          </p:cNvPr>
+          <p:cNvPicPr>
+            <a:picLocks noChangeAspect="1"/>
+          </p:cNvPicPr>
+          <p:nvPr/>
+        </p:nvPicPr>
+        <p:blipFill>
+          <a:blip r:embed="rId2"/>
+          <a:stretch>
+            <a:fillRect/>
+          </a:stretch>
+        </p:blipFill>
+        <p:spPr>
+          <a:xfrm>
+            <a:off x="0" y="3349270"/>
+            <a:ext cx="12192000" cy="3512949"/>
+          </a:xfrm>
+          <a:prstGeom prst="rect">
+            <a:avLst/>
+          </a:prstGeom>
+        </p:spPr>
+      </p:pic>
+    </p:spTree>
+    <p:extLst>
+      <p:ext uri="{BB962C8B-B14F-4D97-AF65-F5344CB8AC3E}">
+        <p14:creationId xmlns:p14="http://schemas.microsoft.com/office/powerpoint/2010/main" val="42084391"/>
       </p:ext>
     </p:extLst>
   </p:cSld>
